--- a/ppt 16-9/0629.曙光.pptx
+++ b/ppt 16-9/0629.曙光.pptx
@@ -129,7 +129,7 @@
           <p:cNvPr id="2" name="标题 1">
             <a:extLst>
               <a:ext uri="{FF2B5EF4-FFF2-40B4-BE49-F238E27FC236}">
-                <a16:creationId xmlns:a16="http://schemas.microsoft.com/office/drawing/2014/main" id="{0F163730-4783-9FCF-3044-543D052687C3}"/>
+                <a16:creationId xmlns:a16="http://schemas.microsoft.com/office/drawing/2014/main" id="{158D7C20-36A8-8EAD-8FD8-36CA17F57266}"/>
               </a:ext>
             </a:extLst>
           </p:cNvPr>
@@ -166,7 +166,7 @@
           <p:cNvPr id="3" name="副标题 2">
             <a:extLst>
               <a:ext uri="{FF2B5EF4-FFF2-40B4-BE49-F238E27FC236}">
-                <a16:creationId xmlns:a16="http://schemas.microsoft.com/office/drawing/2014/main" id="{BCF06BB7-3E85-738D-64E9-22F84070EE68}"/>
+                <a16:creationId xmlns:a16="http://schemas.microsoft.com/office/drawing/2014/main" id="{D748E16E-5E3C-B29D-0876-4386D74872E2}"/>
               </a:ext>
             </a:extLst>
           </p:cNvPr>
@@ -236,7 +236,7 @@
           <p:cNvPr id="4" name="日期占位符 3">
             <a:extLst>
               <a:ext uri="{FF2B5EF4-FFF2-40B4-BE49-F238E27FC236}">
-                <a16:creationId xmlns:a16="http://schemas.microsoft.com/office/drawing/2014/main" id="{30F84833-9562-B96E-1CB1-2E48B28E64E4}"/>
+                <a16:creationId xmlns:a16="http://schemas.microsoft.com/office/drawing/2014/main" id="{D5266627-A66A-DFF8-5863-9EA0AE78C718}"/>
               </a:ext>
             </a:extLst>
           </p:cNvPr>
@@ -252,7 +252,7 @@
           <a:bodyPr/>
           <a:lstStyle/>
           <a:p>
-            <a:fld id="{D383C930-0EC4-42F4-8368-D2E6C26AEC53}" type="datetimeFigureOut">
+            <a:fld id="{65FF2501-4C43-4172-B780-9B2B6A451AF1}" type="datetimeFigureOut">
               <a:rPr lang="zh-CN" altLang="en-US" smtClean="0"/>
               <a:t>2024/3/10</a:t>
             </a:fld>
@@ -265,7 +265,7 @@
           <p:cNvPr id="5" name="页脚占位符 4">
             <a:extLst>
               <a:ext uri="{FF2B5EF4-FFF2-40B4-BE49-F238E27FC236}">
-                <a16:creationId xmlns:a16="http://schemas.microsoft.com/office/drawing/2014/main" id="{B9067318-FF33-ED18-6532-120CEEA966DE}"/>
+                <a16:creationId xmlns:a16="http://schemas.microsoft.com/office/drawing/2014/main" id="{BAD58581-48E8-CC9C-48B7-6C13D05C9CB9}"/>
               </a:ext>
             </a:extLst>
           </p:cNvPr>
@@ -290,7 +290,7 @@
           <p:cNvPr id="6" name="灯片编号占位符 5">
             <a:extLst>
               <a:ext uri="{FF2B5EF4-FFF2-40B4-BE49-F238E27FC236}">
-                <a16:creationId xmlns:a16="http://schemas.microsoft.com/office/drawing/2014/main" id="{7908B9C6-EB49-194D-0E5C-F3689071A91D}"/>
+                <a16:creationId xmlns:a16="http://schemas.microsoft.com/office/drawing/2014/main" id="{C2F03964-F48E-6139-87A4-539E0AE0104C}"/>
               </a:ext>
             </a:extLst>
           </p:cNvPr>
@@ -306,7 +306,7 @@
           <a:bodyPr/>
           <a:lstStyle/>
           <a:p>
-            <a:fld id="{57C39846-1E4E-4BE2-975B-C6FB40CA4A55}" type="slidenum">
+            <a:fld id="{9F258075-52BE-4296-9281-209B599A8836}" type="slidenum">
               <a:rPr lang="zh-CN" altLang="en-US" smtClean="0"/>
               <a:t>‹#›</a:t>
             </a:fld>
@@ -317,7 +317,7 @@
     </p:spTree>
     <p:extLst>
       <p:ext uri="{BB962C8B-B14F-4D97-AF65-F5344CB8AC3E}">
-        <p14:creationId xmlns:p14="http://schemas.microsoft.com/office/powerpoint/2010/main" val="349433403"/>
+        <p14:creationId xmlns:p14="http://schemas.microsoft.com/office/powerpoint/2010/main" val="4114303510"/>
       </p:ext>
     </p:extLst>
   </p:cSld>
@@ -349,7 +349,7 @@
           <p:cNvPr id="2" name="标题 1">
             <a:extLst>
               <a:ext uri="{FF2B5EF4-FFF2-40B4-BE49-F238E27FC236}">
-                <a16:creationId xmlns:a16="http://schemas.microsoft.com/office/drawing/2014/main" id="{D050A152-F092-A5A5-923C-C2F766E07FAF}"/>
+                <a16:creationId xmlns:a16="http://schemas.microsoft.com/office/drawing/2014/main" id="{6E493137-E864-0565-DEA8-4E152028F061}"/>
               </a:ext>
             </a:extLst>
           </p:cNvPr>
@@ -377,7 +377,7 @@
           <p:cNvPr id="3" name="竖排文字占位符 2">
             <a:extLst>
               <a:ext uri="{FF2B5EF4-FFF2-40B4-BE49-F238E27FC236}">
-                <a16:creationId xmlns:a16="http://schemas.microsoft.com/office/drawing/2014/main" id="{F7C82B3F-0CCC-C5DE-636E-31E352E212AD}"/>
+                <a16:creationId xmlns:a16="http://schemas.microsoft.com/office/drawing/2014/main" id="{9ADCA2CF-821B-7B73-DF5D-58955C52354E}"/>
               </a:ext>
             </a:extLst>
           </p:cNvPr>
@@ -434,7 +434,7 @@
           <p:cNvPr id="4" name="日期占位符 3">
             <a:extLst>
               <a:ext uri="{FF2B5EF4-FFF2-40B4-BE49-F238E27FC236}">
-                <a16:creationId xmlns:a16="http://schemas.microsoft.com/office/drawing/2014/main" id="{E1020916-B88E-042B-6BCD-0F7DE0849424}"/>
+                <a16:creationId xmlns:a16="http://schemas.microsoft.com/office/drawing/2014/main" id="{9D2132D8-AE6C-D61A-7DDC-F46DB53A1C5E}"/>
               </a:ext>
             </a:extLst>
           </p:cNvPr>
@@ -450,7 +450,7 @@
           <a:bodyPr/>
           <a:lstStyle/>
           <a:p>
-            <a:fld id="{D383C930-0EC4-42F4-8368-D2E6C26AEC53}" type="datetimeFigureOut">
+            <a:fld id="{65FF2501-4C43-4172-B780-9B2B6A451AF1}" type="datetimeFigureOut">
               <a:rPr lang="zh-CN" altLang="en-US" smtClean="0"/>
               <a:t>2024/3/10</a:t>
             </a:fld>
@@ -463,7 +463,7 @@
           <p:cNvPr id="5" name="页脚占位符 4">
             <a:extLst>
               <a:ext uri="{FF2B5EF4-FFF2-40B4-BE49-F238E27FC236}">
-                <a16:creationId xmlns:a16="http://schemas.microsoft.com/office/drawing/2014/main" id="{1B278912-67D0-4FD2-134D-42390D4F076B}"/>
+                <a16:creationId xmlns:a16="http://schemas.microsoft.com/office/drawing/2014/main" id="{AEE69102-C150-7104-AA68-02911A4AB1F6}"/>
               </a:ext>
             </a:extLst>
           </p:cNvPr>
@@ -488,7 +488,7 @@
           <p:cNvPr id="6" name="灯片编号占位符 5">
             <a:extLst>
               <a:ext uri="{FF2B5EF4-FFF2-40B4-BE49-F238E27FC236}">
-                <a16:creationId xmlns:a16="http://schemas.microsoft.com/office/drawing/2014/main" id="{655EBF4B-ED14-2CD8-E519-715096CBB088}"/>
+                <a16:creationId xmlns:a16="http://schemas.microsoft.com/office/drawing/2014/main" id="{F26B810A-1B63-4E8A-6114-D1BDDD3F324B}"/>
               </a:ext>
             </a:extLst>
           </p:cNvPr>
@@ -504,7 +504,7 @@
           <a:bodyPr/>
           <a:lstStyle/>
           <a:p>
-            <a:fld id="{57C39846-1E4E-4BE2-975B-C6FB40CA4A55}" type="slidenum">
+            <a:fld id="{9F258075-52BE-4296-9281-209B599A8836}" type="slidenum">
               <a:rPr lang="zh-CN" altLang="en-US" smtClean="0"/>
               <a:t>‹#›</a:t>
             </a:fld>
@@ -515,7 +515,7 @@
     </p:spTree>
     <p:extLst>
       <p:ext uri="{BB962C8B-B14F-4D97-AF65-F5344CB8AC3E}">
-        <p14:creationId xmlns:p14="http://schemas.microsoft.com/office/powerpoint/2010/main" val="3822857191"/>
+        <p14:creationId xmlns:p14="http://schemas.microsoft.com/office/powerpoint/2010/main" val="2843984040"/>
       </p:ext>
     </p:extLst>
   </p:cSld>
@@ -547,7 +547,7 @@
           <p:cNvPr id="2" name="竖排标题 1">
             <a:extLst>
               <a:ext uri="{FF2B5EF4-FFF2-40B4-BE49-F238E27FC236}">
-                <a16:creationId xmlns:a16="http://schemas.microsoft.com/office/drawing/2014/main" id="{B95CC155-0EFA-A254-4E91-5E03B717D42B}"/>
+                <a16:creationId xmlns:a16="http://schemas.microsoft.com/office/drawing/2014/main" id="{789154C1-2121-8E04-93C4-2B068ECF412A}"/>
               </a:ext>
             </a:extLst>
           </p:cNvPr>
@@ -580,7 +580,7 @@
           <p:cNvPr id="3" name="竖排文字占位符 2">
             <a:extLst>
               <a:ext uri="{FF2B5EF4-FFF2-40B4-BE49-F238E27FC236}">
-                <a16:creationId xmlns:a16="http://schemas.microsoft.com/office/drawing/2014/main" id="{650E3F8F-3829-4801-FA56-C84B78946CB1}"/>
+                <a16:creationId xmlns:a16="http://schemas.microsoft.com/office/drawing/2014/main" id="{0F75E550-AF4B-3D51-1211-C84184A46AD2}"/>
               </a:ext>
             </a:extLst>
           </p:cNvPr>
@@ -642,7 +642,7 @@
           <p:cNvPr id="4" name="日期占位符 3">
             <a:extLst>
               <a:ext uri="{FF2B5EF4-FFF2-40B4-BE49-F238E27FC236}">
-                <a16:creationId xmlns:a16="http://schemas.microsoft.com/office/drawing/2014/main" id="{09701CD6-4C6E-9516-28BB-29AE54D21E0F}"/>
+                <a16:creationId xmlns:a16="http://schemas.microsoft.com/office/drawing/2014/main" id="{98F56297-5A27-0FE3-2BE9-6975D460B2B4}"/>
               </a:ext>
             </a:extLst>
           </p:cNvPr>
@@ -658,7 +658,7 @@
           <a:bodyPr/>
           <a:lstStyle/>
           <a:p>
-            <a:fld id="{D383C930-0EC4-42F4-8368-D2E6C26AEC53}" type="datetimeFigureOut">
+            <a:fld id="{65FF2501-4C43-4172-B780-9B2B6A451AF1}" type="datetimeFigureOut">
               <a:rPr lang="zh-CN" altLang="en-US" smtClean="0"/>
               <a:t>2024/3/10</a:t>
             </a:fld>
@@ -671,7 +671,7 @@
           <p:cNvPr id="5" name="页脚占位符 4">
             <a:extLst>
               <a:ext uri="{FF2B5EF4-FFF2-40B4-BE49-F238E27FC236}">
-                <a16:creationId xmlns:a16="http://schemas.microsoft.com/office/drawing/2014/main" id="{02D7912E-3CD9-C907-C6DC-0EF6CD7E2C5F}"/>
+                <a16:creationId xmlns:a16="http://schemas.microsoft.com/office/drawing/2014/main" id="{D9271B2C-E401-F785-6991-6F48103AC685}"/>
               </a:ext>
             </a:extLst>
           </p:cNvPr>
@@ -696,7 +696,7 @@
           <p:cNvPr id="6" name="灯片编号占位符 5">
             <a:extLst>
               <a:ext uri="{FF2B5EF4-FFF2-40B4-BE49-F238E27FC236}">
-                <a16:creationId xmlns:a16="http://schemas.microsoft.com/office/drawing/2014/main" id="{A4CBE88C-4E2C-0113-9867-7968E31CA47C}"/>
+                <a16:creationId xmlns:a16="http://schemas.microsoft.com/office/drawing/2014/main" id="{A693E4AF-1893-E930-1A67-049219C7D17A}"/>
               </a:ext>
             </a:extLst>
           </p:cNvPr>
@@ -712,7 +712,7 @@
           <a:bodyPr/>
           <a:lstStyle/>
           <a:p>
-            <a:fld id="{57C39846-1E4E-4BE2-975B-C6FB40CA4A55}" type="slidenum">
+            <a:fld id="{9F258075-52BE-4296-9281-209B599A8836}" type="slidenum">
               <a:rPr lang="zh-CN" altLang="en-US" smtClean="0"/>
               <a:t>‹#›</a:t>
             </a:fld>
@@ -723,7 +723,7 @@
     </p:spTree>
     <p:extLst>
       <p:ext uri="{BB962C8B-B14F-4D97-AF65-F5344CB8AC3E}">
-        <p14:creationId xmlns:p14="http://schemas.microsoft.com/office/powerpoint/2010/main" val="4103990610"/>
+        <p14:creationId xmlns:p14="http://schemas.microsoft.com/office/powerpoint/2010/main" val="1559648295"/>
       </p:ext>
     </p:extLst>
   </p:cSld>
@@ -755,7 +755,7 @@
           <p:cNvPr id="2" name="标题 1">
             <a:extLst>
               <a:ext uri="{FF2B5EF4-FFF2-40B4-BE49-F238E27FC236}">
-                <a16:creationId xmlns:a16="http://schemas.microsoft.com/office/drawing/2014/main" id="{D5D118A9-C14B-BCD3-FABB-874890C8819E}"/>
+                <a16:creationId xmlns:a16="http://schemas.microsoft.com/office/drawing/2014/main" id="{2A63D28A-8129-5082-CE61-568682EA6AC0}"/>
               </a:ext>
             </a:extLst>
           </p:cNvPr>
@@ -783,7 +783,7 @@
           <p:cNvPr id="3" name="内容占位符 2">
             <a:extLst>
               <a:ext uri="{FF2B5EF4-FFF2-40B4-BE49-F238E27FC236}">
-                <a16:creationId xmlns:a16="http://schemas.microsoft.com/office/drawing/2014/main" id="{263B474D-6863-54EF-D752-86782D390510}"/>
+                <a16:creationId xmlns:a16="http://schemas.microsoft.com/office/drawing/2014/main" id="{D1C30BAA-2145-9613-792B-5A29DCD7B8DD}"/>
               </a:ext>
             </a:extLst>
           </p:cNvPr>
@@ -840,7 +840,7 @@
           <p:cNvPr id="4" name="日期占位符 3">
             <a:extLst>
               <a:ext uri="{FF2B5EF4-FFF2-40B4-BE49-F238E27FC236}">
-                <a16:creationId xmlns:a16="http://schemas.microsoft.com/office/drawing/2014/main" id="{8ECAEA3C-50A4-2C99-62CB-0ACEB6FD6430}"/>
+                <a16:creationId xmlns:a16="http://schemas.microsoft.com/office/drawing/2014/main" id="{D9884A0D-28E2-22DA-6EE5-85BD731B1E39}"/>
               </a:ext>
             </a:extLst>
           </p:cNvPr>
@@ -856,7 +856,7 @@
           <a:bodyPr/>
           <a:lstStyle/>
           <a:p>
-            <a:fld id="{D383C930-0EC4-42F4-8368-D2E6C26AEC53}" type="datetimeFigureOut">
+            <a:fld id="{65FF2501-4C43-4172-B780-9B2B6A451AF1}" type="datetimeFigureOut">
               <a:rPr lang="zh-CN" altLang="en-US" smtClean="0"/>
               <a:t>2024/3/10</a:t>
             </a:fld>
@@ -869,7 +869,7 @@
           <p:cNvPr id="5" name="页脚占位符 4">
             <a:extLst>
               <a:ext uri="{FF2B5EF4-FFF2-40B4-BE49-F238E27FC236}">
-                <a16:creationId xmlns:a16="http://schemas.microsoft.com/office/drawing/2014/main" id="{52A2FFC6-FC6B-C019-6E70-5A67EBDF9289}"/>
+                <a16:creationId xmlns:a16="http://schemas.microsoft.com/office/drawing/2014/main" id="{08D7727E-F311-9A14-624F-BE7471800CA9}"/>
               </a:ext>
             </a:extLst>
           </p:cNvPr>
@@ -894,7 +894,7 @@
           <p:cNvPr id="6" name="灯片编号占位符 5">
             <a:extLst>
               <a:ext uri="{FF2B5EF4-FFF2-40B4-BE49-F238E27FC236}">
-                <a16:creationId xmlns:a16="http://schemas.microsoft.com/office/drawing/2014/main" id="{604CA62B-F269-D764-C821-87616923DFC6}"/>
+                <a16:creationId xmlns:a16="http://schemas.microsoft.com/office/drawing/2014/main" id="{08586FB6-6E11-1F76-0ED2-39CAFCF5D0F5}"/>
               </a:ext>
             </a:extLst>
           </p:cNvPr>
@@ -910,7 +910,7 @@
           <a:bodyPr/>
           <a:lstStyle/>
           <a:p>
-            <a:fld id="{57C39846-1E4E-4BE2-975B-C6FB40CA4A55}" type="slidenum">
+            <a:fld id="{9F258075-52BE-4296-9281-209B599A8836}" type="slidenum">
               <a:rPr lang="zh-CN" altLang="en-US" smtClean="0"/>
               <a:t>‹#›</a:t>
             </a:fld>
@@ -921,7 +921,7 @@
     </p:spTree>
     <p:extLst>
       <p:ext uri="{BB962C8B-B14F-4D97-AF65-F5344CB8AC3E}">
-        <p14:creationId xmlns:p14="http://schemas.microsoft.com/office/powerpoint/2010/main" val="2111995530"/>
+        <p14:creationId xmlns:p14="http://schemas.microsoft.com/office/powerpoint/2010/main" val="4041862266"/>
       </p:ext>
     </p:extLst>
   </p:cSld>
@@ -953,7 +953,7 @@
           <p:cNvPr id="2" name="标题 1">
             <a:extLst>
               <a:ext uri="{FF2B5EF4-FFF2-40B4-BE49-F238E27FC236}">
-                <a16:creationId xmlns:a16="http://schemas.microsoft.com/office/drawing/2014/main" id="{2A04B3F2-51D1-D7B6-5C62-DA549D7F1759}"/>
+                <a16:creationId xmlns:a16="http://schemas.microsoft.com/office/drawing/2014/main" id="{C29CCF24-2C24-573A-0B33-A684BA36611B}"/>
               </a:ext>
             </a:extLst>
           </p:cNvPr>
@@ -990,7 +990,7 @@
           <p:cNvPr id="3" name="文本占位符 2">
             <a:extLst>
               <a:ext uri="{FF2B5EF4-FFF2-40B4-BE49-F238E27FC236}">
-                <a16:creationId xmlns:a16="http://schemas.microsoft.com/office/drawing/2014/main" id="{41A1C236-3A61-6238-D7E5-0CAC64B3C581}"/>
+                <a16:creationId xmlns:a16="http://schemas.microsoft.com/office/drawing/2014/main" id="{E05740D0-86F4-11AD-3B2A-D6155F4B0061}"/>
               </a:ext>
             </a:extLst>
           </p:cNvPr>
@@ -1115,7 +1115,7 @@
           <p:cNvPr id="4" name="日期占位符 3">
             <a:extLst>
               <a:ext uri="{FF2B5EF4-FFF2-40B4-BE49-F238E27FC236}">
-                <a16:creationId xmlns:a16="http://schemas.microsoft.com/office/drawing/2014/main" id="{0FAFABD8-48FE-3EFA-FBCA-BFECE3B30F1D}"/>
+                <a16:creationId xmlns:a16="http://schemas.microsoft.com/office/drawing/2014/main" id="{C3BCA561-2586-2510-5590-628BC8AA7163}"/>
               </a:ext>
             </a:extLst>
           </p:cNvPr>
@@ -1131,7 +1131,7 @@
           <a:bodyPr/>
           <a:lstStyle/>
           <a:p>
-            <a:fld id="{D383C930-0EC4-42F4-8368-D2E6C26AEC53}" type="datetimeFigureOut">
+            <a:fld id="{65FF2501-4C43-4172-B780-9B2B6A451AF1}" type="datetimeFigureOut">
               <a:rPr lang="zh-CN" altLang="en-US" smtClean="0"/>
               <a:t>2024/3/10</a:t>
             </a:fld>
@@ -1144,7 +1144,7 @@
           <p:cNvPr id="5" name="页脚占位符 4">
             <a:extLst>
               <a:ext uri="{FF2B5EF4-FFF2-40B4-BE49-F238E27FC236}">
-                <a16:creationId xmlns:a16="http://schemas.microsoft.com/office/drawing/2014/main" id="{3606E388-AD24-5B80-48C1-A891DB9BEE00}"/>
+                <a16:creationId xmlns:a16="http://schemas.microsoft.com/office/drawing/2014/main" id="{AECCB337-2A8F-7D91-E49A-E8BA00018C5A}"/>
               </a:ext>
             </a:extLst>
           </p:cNvPr>
@@ -1169,7 +1169,7 @@
           <p:cNvPr id="6" name="灯片编号占位符 5">
             <a:extLst>
               <a:ext uri="{FF2B5EF4-FFF2-40B4-BE49-F238E27FC236}">
-                <a16:creationId xmlns:a16="http://schemas.microsoft.com/office/drawing/2014/main" id="{6C02196D-1880-FADA-6EA8-FBD5E41798FD}"/>
+                <a16:creationId xmlns:a16="http://schemas.microsoft.com/office/drawing/2014/main" id="{263F0D12-6B16-A288-2867-1D908F6C7A16}"/>
               </a:ext>
             </a:extLst>
           </p:cNvPr>
@@ -1185,7 +1185,7 @@
           <a:bodyPr/>
           <a:lstStyle/>
           <a:p>
-            <a:fld id="{57C39846-1E4E-4BE2-975B-C6FB40CA4A55}" type="slidenum">
+            <a:fld id="{9F258075-52BE-4296-9281-209B599A8836}" type="slidenum">
               <a:rPr lang="zh-CN" altLang="en-US" smtClean="0"/>
               <a:t>‹#›</a:t>
             </a:fld>
@@ -1196,7 +1196,7 @@
     </p:spTree>
     <p:extLst>
       <p:ext uri="{BB962C8B-B14F-4D97-AF65-F5344CB8AC3E}">
-        <p14:creationId xmlns:p14="http://schemas.microsoft.com/office/powerpoint/2010/main" val="3455241664"/>
+        <p14:creationId xmlns:p14="http://schemas.microsoft.com/office/powerpoint/2010/main" val="4205487117"/>
       </p:ext>
     </p:extLst>
   </p:cSld>
@@ -1228,7 +1228,7 @@
           <p:cNvPr id="2" name="标题 1">
             <a:extLst>
               <a:ext uri="{FF2B5EF4-FFF2-40B4-BE49-F238E27FC236}">
-                <a16:creationId xmlns:a16="http://schemas.microsoft.com/office/drawing/2014/main" id="{B48ED5CC-FAAE-44E4-F280-EFDA1E045EAC}"/>
+                <a16:creationId xmlns:a16="http://schemas.microsoft.com/office/drawing/2014/main" id="{EF9A2D15-CCB4-639B-E15C-F5A071769D44}"/>
               </a:ext>
             </a:extLst>
           </p:cNvPr>
@@ -1256,7 +1256,7 @@
           <p:cNvPr id="3" name="内容占位符 2">
             <a:extLst>
               <a:ext uri="{FF2B5EF4-FFF2-40B4-BE49-F238E27FC236}">
-                <a16:creationId xmlns:a16="http://schemas.microsoft.com/office/drawing/2014/main" id="{B042D9B1-1124-6B5C-DEFB-727748562340}"/>
+                <a16:creationId xmlns:a16="http://schemas.microsoft.com/office/drawing/2014/main" id="{0A63C264-2FAA-3F30-9E46-3ABCA1C9321A}"/>
               </a:ext>
             </a:extLst>
           </p:cNvPr>
@@ -1318,7 +1318,7 @@
           <p:cNvPr id="4" name="内容占位符 3">
             <a:extLst>
               <a:ext uri="{FF2B5EF4-FFF2-40B4-BE49-F238E27FC236}">
-                <a16:creationId xmlns:a16="http://schemas.microsoft.com/office/drawing/2014/main" id="{8494F1AA-1965-D551-99D6-475049C91BB4}"/>
+                <a16:creationId xmlns:a16="http://schemas.microsoft.com/office/drawing/2014/main" id="{E721C5B9-8E3D-D035-17C6-1ED63A7238D0}"/>
               </a:ext>
             </a:extLst>
           </p:cNvPr>
@@ -1380,7 +1380,7 @@
           <p:cNvPr id="5" name="日期占位符 4">
             <a:extLst>
               <a:ext uri="{FF2B5EF4-FFF2-40B4-BE49-F238E27FC236}">
-                <a16:creationId xmlns:a16="http://schemas.microsoft.com/office/drawing/2014/main" id="{F5C54A68-577B-36A4-7525-5F89136EB767}"/>
+                <a16:creationId xmlns:a16="http://schemas.microsoft.com/office/drawing/2014/main" id="{231CA2C1-5BD8-1352-2D0B-F573150DE71C}"/>
               </a:ext>
             </a:extLst>
           </p:cNvPr>
@@ -1396,7 +1396,7 @@
           <a:bodyPr/>
           <a:lstStyle/>
           <a:p>
-            <a:fld id="{D383C930-0EC4-42F4-8368-D2E6C26AEC53}" type="datetimeFigureOut">
+            <a:fld id="{65FF2501-4C43-4172-B780-9B2B6A451AF1}" type="datetimeFigureOut">
               <a:rPr lang="zh-CN" altLang="en-US" smtClean="0"/>
               <a:t>2024/3/10</a:t>
             </a:fld>
@@ -1409,7 +1409,7 @@
           <p:cNvPr id="6" name="页脚占位符 5">
             <a:extLst>
               <a:ext uri="{FF2B5EF4-FFF2-40B4-BE49-F238E27FC236}">
-                <a16:creationId xmlns:a16="http://schemas.microsoft.com/office/drawing/2014/main" id="{B04C80BD-0317-A020-02CD-AEE0404B1AB6}"/>
+                <a16:creationId xmlns:a16="http://schemas.microsoft.com/office/drawing/2014/main" id="{0787740A-9290-4089-9ECA-0DE0FF2AD1C0}"/>
               </a:ext>
             </a:extLst>
           </p:cNvPr>
@@ -1434,7 +1434,7 @@
           <p:cNvPr id="7" name="灯片编号占位符 6">
             <a:extLst>
               <a:ext uri="{FF2B5EF4-FFF2-40B4-BE49-F238E27FC236}">
-                <a16:creationId xmlns:a16="http://schemas.microsoft.com/office/drawing/2014/main" id="{79C749A6-10DF-888E-644F-C53CC443775A}"/>
+                <a16:creationId xmlns:a16="http://schemas.microsoft.com/office/drawing/2014/main" id="{EE4C2741-4B33-803A-72DF-261BB38CE749}"/>
               </a:ext>
             </a:extLst>
           </p:cNvPr>
@@ -1450,7 +1450,7 @@
           <a:bodyPr/>
           <a:lstStyle/>
           <a:p>
-            <a:fld id="{57C39846-1E4E-4BE2-975B-C6FB40CA4A55}" type="slidenum">
+            <a:fld id="{9F258075-52BE-4296-9281-209B599A8836}" type="slidenum">
               <a:rPr lang="zh-CN" altLang="en-US" smtClean="0"/>
               <a:t>‹#›</a:t>
             </a:fld>
@@ -1461,7 +1461,7 @@
     </p:spTree>
     <p:extLst>
       <p:ext uri="{BB962C8B-B14F-4D97-AF65-F5344CB8AC3E}">
-        <p14:creationId xmlns:p14="http://schemas.microsoft.com/office/powerpoint/2010/main" val="1945687651"/>
+        <p14:creationId xmlns:p14="http://schemas.microsoft.com/office/powerpoint/2010/main" val="950196855"/>
       </p:ext>
     </p:extLst>
   </p:cSld>
@@ -1493,7 +1493,7 @@
           <p:cNvPr id="2" name="标题 1">
             <a:extLst>
               <a:ext uri="{FF2B5EF4-FFF2-40B4-BE49-F238E27FC236}">
-                <a16:creationId xmlns:a16="http://schemas.microsoft.com/office/drawing/2014/main" id="{72FDDC9A-3745-AEF4-7D4B-E3597522C64F}"/>
+                <a16:creationId xmlns:a16="http://schemas.microsoft.com/office/drawing/2014/main" id="{371880FF-931E-CA3C-B600-892F671408F4}"/>
               </a:ext>
             </a:extLst>
           </p:cNvPr>
@@ -1526,7 +1526,7 @@
           <p:cNvPr id="3" name="文本占位符 2">
             <a:extLst>
               <a:ext uri="{FF2B5EF4-FFF2-40B4-BE49-F238E27FC236}">
-                <a16:creationId xmlns:a16="http://schemas.microsoft.com/office/drawing/2014/main" id="{FC891893-C2F0-C767-8D8B-4389E70944A9}"/>
+                <a16:creationId xmlns:a16="http://schemas.microsoft.com/office/drawing/2014/main" id="{BBE926CF-523B-7217-C92E-01B89E526363}"/>
               </a:ext>
             </a:extLst>
           </p:cNvPr>
@@ -1597,7 +1597,7 @@
           <p:cNvPr id="4" name="内容占位符 3">
             <a:extLst>
               <a:ext uri="{FF2B5EF4-FFF2-40B4-BE49-F238E27FC236}">
-                <a16:creationId xmlns:a16="http://schemas.microsoft.com/office/drawing/2014/main" id="{FC9D6075-9F4E-31E8-51A4-136141586034}"/>
+                <a16:creationId xmlns:a16="http://schemas.microsoft.com/office/drawing/2014/main" id="{44267A8F-69DE-85E4-CE1A-D789D3798FE3}"/>
               </a:ext>
             </a:extLst>
           </p:cNvPr>
@@ -1659,7 +1659,7 @@
           <p:cNvPr id="5" name="文本占位符 4">
             <a:extLst>
               <a:ext uri="{FF2B5EF4-FFF2-40B4-BE49-F238E27FC236}">
-                <a16:creationId xmlns:a16="http://schemas.microsoft.com/office/drawing/2014/main" id="{CA700E0F-A964-1188-9676-0F02D938FF09}"/>
+                <a16:creationId xmlns:a16="http://schemas.microsoft.com/office/drawing/2014/main" id="{0154E32B-C4C9-40FB-1A1F-957FEF5EC5BB}"/>
               </a:ext>
             </a:extLst>
           </p:cNvPr>
@@ -1730,7 +1730,7 @@
           <p:cNvPr id="6" name="内容占位符 5">
             <a:extLst>
               <a:ext uri="{FF2B5EF4-FFF2-40B4-BE49-F238E27FC236}">
-                <a16:creationId xmlns:a16="http://schemas.microsoft.com/office/drawing/2014/main" id="{092A3CA6-6C07-CE68-4A99-49F8868925E4}"/>
+                <a16:creationId xmlns:a16="http://schemas.microsoft.com/office/drawing/2014/main" id="{107AE9E0-44C8-167D-54C5-149348BF2758}"/>
               </a:ext>
             </a:extLst>
           </p:cNvPr>
@@ -1792,7 +1792,7 @@
           <p:cNvPr id="7" name="日期占位符 6">
             <a:extLst>
               <a:ext uri="{FF2B5EF4-FFF2-40B4-BE49-F238E27FC236}">
-                <a16:creationId xmlns:a16="http://schemas.microsoft.com/office/drawing/2014/main" id="{98C4A35F-021E-270C-149D-8CA56A7B4F50}"/>
+                <a16:creationId xmlns:a16="http://schemas.microsoft.com/office/drawing/2014/main" id="{F75FCD73-E26D-1331-7B4B-FC2C5BF38A0E}"/>
               </a:ext>
             </a:extLst>
           </p:cNvPr>
@@ -1808,7 +1808,7 @@
           <a:bodyPr/>
           <a:lstStyle/>
           <a:p>
-            <a:fld id="{D383C930-0EC4-42F4-8368-D2E6C26AEC53}" type="datetimeFigureOut">
+            <a:fld id="{65FF2501-4C43-4172-B780-9B2B6A451AF1}" type="datetimeFigureOut">
               <a:rPr lang="zh-CN" altLang="en-US" smtClean="0"/>
               <a:t>2024/3/10</a:t>
             </a:fld>
@@ -1821,7 +1821,7 @@
           <p:cNvPr id="8" name="页脚占位符 7">
             <a:extLst>
               <a:ext uri="{FF2B5EF4-FFF2-40B4-BE49-F238E27FC236}">
-                <a16:creationId xmlns:a16="http://schemas.microsoft.com/office/drawing/2014/main" id="{C72AD55F-610E-6196-C10C-1C31F8755C64}"/>
+                <a16:creationId xmlns:a16="http://schemas.microsoft.com/office/drawing/2014/main" id="{96D81B0B-5CE3-30F5-8ED8-A8730D3E7BD7}"/>
               </a:ext>
             </a:extLst>
           </p:cNvPr>
@@ -1846,7 +1846,7 @@
           <p:cNvPr id="9" name="灯片编号占位符 8">
             <a:extLst>
               <a:ext uri="{FF2B5EF4-FFF2-40B4-BE49-F238E27FC236}">
-                <a16:creationId xmlns:a16="http://schemas.microsoft.com/office/drawing/2014/main" id="{9093E5B0-D057-D900-CE0E-F7DA81493ACE}"/>
+                <a16:creationId xmlns:a16="http://schemas.microsoft.com/office/drawing/2014/main" id="{A615AC27-6A88-CCD6-AD97-75DEE39A5C95}"/>
               </a:ext>
             </a:extLst>
           </p:cNvPr>
@@ -1862,7 +1862,7 @@
           <a:bodyPr/>
           <a:lstStyle/>
           <a:p>
-            <a:fld id="{57C39846-1E4E-4BE2-975B-C6FB40CA4A55}" type="slidenum">
+            <a:fld id="{9F258075-52BE-4296-9281-209B599A8836}" type="slidenum">
               <a:rPr lang="zh-CN" altLang="en-US" smtClean="0"/>
               <a:t>‹#›</a:t>
             </a:fld>
@@ -1873,7 +1873,7 @@
     </p:spTree>
     <p:extLst>
       <p:ext uri="{BB962C8B-B14F-4D97-AF65-F5344CB8AC3E}">
-        <p14:creationId xmlns:p14="http://schemas.microsoft.com/office/powerpoint/2010/main" val="2400605067"/>
+        <p14:creationId xmlns:p14="http://schemas.microsoft.com/office/powerpoint/2010/main" val="2789820507"/>
       </p:ext>
     </p:extLst>
   </p:cSld>
@@ -1905,7 +1905,7 @@
           <p:cNvPr id="2" name="标题 1">
             <a:extLst>
               <a:ext uri="{FF2B5EF4-FFF2-40B4-BE49-F238E27FC236}">
-                <a16:creationId xmlns:a16="http://schemas.microsoft.com/office/drawing/2014/main" id="{0FF6E4AB-CDA1-5701-BAAE-74F3DB770042}"/>
+                <a16:creationId xmlns:a16="http://schemas.microsoft.com/office/drawing/2014/main" id="{4A05DEFA-7138-83A5-6EAC-7D40B0C47274}"/>
               </a:ext>
             </a:extLst>
           </p:cNvPr>
@@ -1933,7 +1933,7 @@
           <p:cNvPr id="3" name="日期占位符 2">
             <a:extLst>
               <a:ext uri="{FF2B5EF4-FFF2-40B4-BE49-F238E27FC236}">
-                <a16:creationId xmlns:a16="http://schemas.microsoft.com/office/drawing/2014/main" id="{8A47044E-9130-3B9E-5DF4-8E1438599683}"/>
+                <a16:creationId xmlns:a16="http://schemas.microsoft.com/office/drawing/2014/main" id="{50AC4D09-6320-BDA2-468C-562CE18CF153}"/>
               </a:ext>
             </a:extLst>
           </p:cNvPr>
@@ -1949,7 +1949,7 @@
           <a:bodyPr/>
           <a:lstStyle/>
           <a:p>
-            <a:fld id="{D383C930-0EC4-42F4-8368-D2E6C26AEC53}" type="datetimeFigureOut">
+            <a:fld id="{65FF2501-4C43-4172-B780-9B2B6A451AF1}" type="datetimeFigureOut">
               <a:rPr lang="zh-CN" altLang="en-US" smtClean="0"/>
               <a:t>2024/3/10</a:t>
             </a:fld>
@@ -1962,7 +1962,7 @@
           <p:cNvPr id="4" name="页脚占位符 3">
             <a:extLst>
               <a:ext uri="{FF2B5EF4-FFF2-40B4-BE49-F238E27FC236}">
-                <a16:creationId xmlns:a16="http://schemas.microsoft.com/office/drawing/2014/main" id="{A046C8C1-38AE-F874-87FF-53528898E887}"/>
+                <a16:creationId xmlns:a16="http://schemas.microsoft.com/office/drawing/2014/main" id="{CF36EB88-6F51-4441-D446-8245911D9A8F}"/>
               </a:ext>
             </a:extLst>
           </p:cNvPr>
@@ -1987,7 +1987,7 @@
           <p:cNvPr id="5" name="灯片编号占位符 4">
             <a:extLst>
               <a:ext uri="{FF2B5EF4-FFF2-40B4-BE49-F238E27FC236}">
-                <a16:creationId xmlns:a16="http://schemas.microsoft.com/office/drawing/2014/main" id="{037DC8EE-EF2B-301F-A279-DB007B865292}"/>
+                <a16:creationId xmlns:a16="http://schemas.microsoft.com/office/drawing/2014/main" id="{188C3756-6737-F181-1929-01764ED70236}"/>
               </a:ext>
             </a:extLst>
           </p:cNvPr>
@@ -2003,7 +2003,7 @@
           <a:bodyPr/>
           <a:lstStyle/>
           <a:p>
-            <a:fld id="{57C39846-1E4E-4BE2-975B-C6FB40CA4A55}" type="slidenum">
+            <a:fld id="{9F258075-52BE-4296-9281-209B599A8836}" type="slidenum">
               <a:rPr lang="zh-CN" altLang="en-US" smtClean="0"/>
               <a:t>‹#›</a:t>
             </a:fld>
@@ -2014,7 +2014,7 @@
     </p:spTree>
     <p:extLst>
       <p:ext uri="{BB962C8B-B14F-4D97-AF65-F5344CB8AC3E}">
-        <p14:creationId xmlns:p14="http://schemas.microsoft.com/office/powerpoint/2010/main" val="1410409685"/>
+        <p14:creationId xmlns:p14="http://schemas.microsoft.com/office/powerpoint/2010/main" val="685170555"/>
       </p:ext>
     </p:extLst>
   </p:cSld>
@@ -2046,7 +2046,7 @@
           <p:cNvPr id="2" name="日期占位符 1">
             <a:extLst>
               <a:ext uri="{FF2B5EF4-FFF2-40B4-BE49-F238E27FC236}">
-                <a16:creationId xmlns:a16="http://schemas.microsoft.com/office/drawing/2014/main" id="{FB2AF266-C8BA-7EF3-8C41-C7FDEB9B27E8}"/>
+                <a16:creationId xmlns:a16="http://schemas.microsoft.com/office/drawing/2014/main" id="{13421FBD-C934-2947-2E1D-B7AC23A40541}"/>
               </a:ext>
             </a:extLst>
           </p:cNvPr>
@@ -2062,7 +2062,7 @@
           <a:bodyPr/>
           <a:lstStyle/>
           <a:p>
-            <a:fld id="{D383C930-0EC4-42F4-8368-D2E6C26AEC53}" type="datetimeFigureOut">
+            <a:fld id="{65FF2501-4C43-4172-B780-9B2B6A451AF1}" type="datetimeFigureOut">
               <a:rPr lang="zh-CN" altLang="en-US" smtClean="0"/>
               <a:t>2024/3/10</a:t>
             </a:fld>
@@ -2075,7 +2075,7 @@
           <p:cNvPr id="3" name="页脚占位符 2">
             <a:extLst>
               <a:ext uri="{FF2B5EF4-FFF2-40B4-BE49-F238E27FC236}">
-                <a16:creationId xmlns:a16="http://schemas.microsoft.com/office/drawing/2014/main" id="{B71E2EE2-1D70-3360-009E-2F577F6307C8}"/>
+                <a16:creationId xmlns:a16="http://schemas.microsoft.com/office/drawing/2014/main" id="{4EADB3A1-76E2-9159-F906-46E5704426E1}"/>
               </a:ext>
             </a:extLst>
           </p:cNvPr>
@@ -2100,7 +2100,7 @@
           <p:cNvPr id="4" name="灯片编号占位符 3">
             <a:extLst>
               <a:ext uri="{FF2B5EF4-FFF2-40B4-BE49-F238E27FC236}">
-                <a16:creationId xmlns:a16="http://schemas.microsoft.com/office/drawing/2014/main" id="{99830073-B4FB-14AF-26EF-A3CB670D59C0}"/>
+                <a16:creationId xmlns:a16="http://schemas.microsoft.com/office/drawing/2014/main" id="{5BDB2511-01A9-FAF4-219D-4227750EB7FB}"/>
               </a:ext>
             </a:extLst>
           </p:cNvPr>
@@ -2116,7 +2116,7 @@
           <a:bodyPr/>
           <a:lstStyle/>
           <a:p>
-            <a:fld id="{57C39846-1E4E-4BE2-975B-C6FB40CA4A55}" type="slidenum">
+            <a:fld id="{9F258075-52BE-4296-9281-209B599A8836}" type="slidenum">
               <a:rPr lang="zh-CN" altLang="en-US" smtClean="0"/>
               <a:t>‹#›</a:t>
             </a:fld>
@@ -2127,7 +2127,7 @@
     </p:spTree>
     <p:extLst>
       <p:ext uri="{BB962C8B-B14F-4D97-AF65-F5344CB8AC3E}">
-        <p14:creationId xmlns:p14="http://schemas.microsoft.com/office/powerpoint/2010/main" val="3513090323"/>
+        <p14:creationId xmlns:p14="http://schemas.microsoft.com/office/powerpoint/2010/main" val="2803526519"/>
       </p:ext>
     </p:extLst>
   </p:cSld>
@@ -2159,7 +2159,7 @@
           <p:cNvPr id="2" name="标题 1">
             <a:extLst>
               <a:ext uri="{FF2B5EF4-FFF2-40B4-BE49-F238E27FC236}">
-                <a16:creationId xmlns:a16="http://schemas.microsoft.com/office/drawing/2014/main" id="{C0847B04-3A49-36D8-3992-750DAAF9E2F6}"/>
+                <a16:creationId xmlns:a16="http://schemas.microsoft.com/office/drawing/2014/main" id="{80335D1C-5A76-CED2-8746-5FDA6B9C8140}"/>
               </a:ext>
             </a:extLst>
           </p:cNvPr>
@@ -2196,7 +2196,7 @@
           <p:cNvPr id="3" name="内容占位符 2">
             <a:extLst>
               <a:ext uri="{FF2B5EF4-FFF2-40B4-BE49-F238E27FC236}">
-                <a16:creationId xmlns:a16="http://schemas.microsoft.com/office/drawing/2014/main" id="{6FE36BA6-3194-4C67-D9D5-647E39A7B88C}"/>
+                <a16:creationId xmlns:a16="http://schemas.microsoft.com/office/drawing/2014/main" id="{264CEB8F-E358-3790-29CE-556C40736328}"/>
               </a:ext>
             </a:extLst>
           </p:cNvPr>
@@ -2286,7 +2286,7 @@
           <p:cNvPr id="4" name="文本占位符 3">
             <a:extLst>
               <a:ext uri="{FF2B5EF4-FFF2-40B4-BE49-F238E27FC236}">
-                <a16:creationId xmlns:a16="http://schemas.microsoft.com/office/drawing/2014/main" id="{700EDC7E-C147-F14A-1B42-6A487434B24A}"/>
+                <a16:creationId xmlns:a16="http://schemas.microsoft.com/office/drawing/2014/main" id="{604F0DAB-192B-8A51-9AD6-BBE5B2749358}"/>
               </a:ext>
             </a:extLst>
           </p:cNvPr>
@@ -2357,7 +2357,7 @@
           <p:cNvPr id="5" name="日期占位符 4">
             <a:extLst>
               <a:ext uri="{FF2B5EF4-FFF2-40B4-BE49-F238E27FC236}">
-                <a16:creationId xmlns:a16="http://schemas.microsoft.com/office/drawing/2014/main" id="{9FED06BE-E1A6-8748-308A-BBF9E76C8484}"/>
+                <a16:creationId xmlns:a16="http://schemas.microsoft.com/office/drawing/2014/main" id="{50293CFE-D148-B049-23DA-C32A1523028B}"/>
               </a:ext>
             </a:extLst>
           </p:cNvPr>
@@ -2373,7 +2373,7 @@
           <a:bodyPr/>
           <a:lstStyle/>
           <a:p>
-            <a:fld id="{D383C930-0EC4-42F4-8368-D2E6C26AEC53}" type="datetimeFigureOut">
+            <a:fld id="{65FF2501-4C43-4172-B780-9B2B6A451AF1}" type="datetimeFigureOut">
               <a:rPr lang="zh-CN" altLang="en-US" smtClean="0"/>
               <a:t>2024/3/10</a:t>
             </a:fld>
@@ -2386,7 +2386,7 @@
           <p:cNvPr id="6" name="页脚占位符 5">
             <a:extLst>
               <a:ext uri="{FF2B5EF4-FFF2-40B4-BE49-F238E27FC236}">
-                <a16:creationId xmlns:a16="http://schemas.microsoft.com/office/drawing/2014/main" id="{FEB9CD4F-B6E7-4966-5779-A9B510997573}"/>
+                <a16:creationId xmlns:a16="http://schemas.microsoft.com/office/drawing/2014/main" id="{82B2C2D0-02BD-4E1F-FDDF-92FCF9C6219F}"/>
               </a:ext>
             </a:extLst>
           </p:cNvPr>
@@ -2411,7 +2411,7 @@
           <p:cNvPr id="7" name="灯片编号占位符 6">
             <a:extLst>
               <a:ext uri="{FF2B5EF4-FFF2-40B4-BE49-F238E27FC236}">
-                <a16:creationId xmlns:a16="http://schemas.microsoft.com/office/drawing/2014/main" id="{DA4E07ED-2861-1092-1BAE-A25B698B3D27}"/>
+                <a16:creationId xmlns:a16="http://schemas.microsoft.com/office/drawing/2014/main" id="{5AC814E9-6396-A245-CFDA-920B1BCA9B59}"/>
               </a:ext>
             </a:extLst>
           </p:cNvPr>
@@ -2427,7 +2427,7 @@
           <a:bodyPr/>
           <a:lstStyle/>
           <a:p>
-            <a:fld id="{57C39846-1E4E-4BE2-975B-C6FB40CA4A55}" type="slidenum">
+            <a:fld id="{9F258075-52BE-4296-9281-209B599A8836}" type="slidenum">
               <a:rPr lang="zh-CN" altLang="en-US" smtClean="0"/>
               <a:t>‹#›</a:t>
             </a:fld>
@@ -2438,7 +2438,7 @@
     </p:spTree>
     <p:extLst>
       <p:ext uri="{BB962C8B-B14F-4D97-AF65-F5344CB8AC3E}">
-        <p14:creationId xmlns:p14="http://schemas.microsoft.com/office/powerpoint/2010/main" val="1549435045"/>
+        <p14:creationId xmlns:p14="http://schemas.microsoft.com/office/powerpoint/2010/main" val="3253849078"/>
       </p:ext>
     </p:extLst>
   </p:cSld>
@@ -2470,7 +2470,7 @@
           <p:cNvPr id="2" name="标题 1">
             <a:extLst>
               <a:ext uri="{FF2B5EF4-FFF2-40B4-BE49-F238E27FC236}">
-                <a16:creationId xmlns:a16="http://schemas.microsoft.com/office/drawing/2014/main" id="{8855DA5A-D5A6-21F2-D51B-D089B3411B66}"/>
+                <a16:creationId xmlns:a16="http://schemas.microsoft.com/office/drawing/2014/main" id="{0F4D5430-839C-746D-A72F-FE500A5F7A66}"/>
               </a:ext>
             </a:extLst>
           </p:cNvPr>
@@ -2507,7 +2507,7 @@
           <p:cNvPr id="3" name="图片占位符 2">
             <a:extLst>
               <a:ext uri="{FF2B5EF4-FFF2-40B4-BE49-F238E27FC236}">
-                <a16:creationId xmlns:a16="http://schemas.microsoft.com/office/drawing/2014/main" id="{9B449B02-F729-2B1A-26D7-ACFE46B55E0B}"/>
+                <a16:creationId xmlns:a16="http://schemas.microsoft.com/office/drawing/2014/main" id="{5C9E72BC-160B-8F7A-A8A0-0899A2035B9A}"/>
               </a:ext>
             </a:extLst>
           </p:cNvPr>
@@ -2574,7 +2574,7 @@
           <p:cNvPr id="4" name="文本占位符 3">
             <a:extLst>
               <a:ext uri="{FF2B5EF4-FFF2-40B4-BE49-F238E27FC236}">
-                <a16:creationId xmlns:a16="http://schemas.microsoft.com/office/drawing/2014/main" id="{D2D6779F-143B-FC2C-FFC2-7916EA4C87B0}"/>
+                <a16:creationId xmlns:a16="http://schemas.microsoft.com/office/drawing/2014/main" id="{1B4D0792-65DA-313F-056C-584C2704CD3C}"/>
               </a:ext>
             </a:extLst>
           </p:cNvPr>
@@ -2645,7 +2645,7 @@
           <p:cNvPr id="5" name="日期占位符 4">
             <a:extLst>
               <a:ext uri="{FF2B5EF4-FFF2-40B4-BE49-F238E27FC236}">
-                <a16:creationId xmlns:a16="http://schemas.microsoft.com/office/drawing/2014/main" id="{D79225CE-8E6F-D0C6-7092-A5E828F8F7B5}"/>
+                <a16:creationId xmlns:a16="http://schemas.microsoft.com/office/drawing/2014/main" id="{1E44821B-C967-9AAB-4263-8DDE6F8837A2}"/>
               </a:ext>
             </a:extLst>
           </p:cNvPr>
@@ -2661,7 +2661,7 @@
           <a:bodyPr/>
           <a:lstStyle/>
           <a:p>
-            <a:fld id="{D383C930-0EC4-42F4-8368-D2E6C26AEC53}" type="datetimeFigureOut">
+            <a:fld id="{65FF2501-4C43-4172-B780-9B2B6A451AF1}" type="datetimeFigureOut">
               <a:rPr lang="zh-CN" altLang="en-US" smtClean="0"/>
               <a:t>2024/3/10</a:t>
             </a:fld>
@@ -2674,7 +2674,7 @@
           <p:cNvPr id="6" name="页脚占位符 5">
             <a:extLst>
               <a:ext uri="{FF2B5EF4-FFF2-40B4-BE49-F238E27FC236}">
-                <a16:creationId xmlns:a16="http://schemas.microsoft.com/office/drawing/2014/main" id="{97ABA948-068F-4279-2FE9-0185E6C79843}"/>
+                <a16:creationId xmlns:a16="http://schemas.microsoft.com/office/drawing/2014/main" id="{BE03E34C-E7E3-4C3E-C584-E63136AAEAF5}"/>
               </a:ext>
             </a:extLst>
           </p:cNvPr>
@@ -2699,7 +2699,7 @@
           <p:cNvPr id="7" name="灯片编号占位符 6">
             <a:extLst>
               <a:ext uri="{FF2B5EF4-FFF2-40B4-BE49-F238E27FC236}">
-                <a16:creationId xmlns:a16="http://schemas.microsoft.com/office/drawing/2014/main" id="{4F13E09D-8434-F3C7-BFA6-5B57BE3E4EE7}"/>
+                <a16:creationId xmlns:a16="http://schemas.microsoft.com/office/drawing/2014/main" id="{8E599483-5EC4-633D-D31C-50E30C5DF32F}"/>
               </a:ext>
             </a:extLst>
           </p:cNvPr>
@@ -2715,7 +2715,7 @@
           <a:bodyPr/>
           <a:lstStyle/>
           <a:p>
-            <a:fld id="{57C39846-1E4E-4BE2-975B-C6FB40CA4A55}" type="slidenum">
+            <a:fld id="{9F258075-52BE-4296-9281-209B599A8836}" type="slidenum">
               <a:rPr lang="zh-CN" altLang="en-US" smtClean="0"/>
               <a:t>‹#›</a:t>
             </a:fld>
@@ -2726,7 +2726,7 @@
     </p:spTree>
     <p:extLst>
       <p:ext uri="{BB962C8B-B14F-4D97-AF65-F5344CB8AC3E}">
-        <p14:creationId xmlns:p14="http://schemas.microsoft.com/office/powerpoint/2010/main" val="2948059574"/>
+        <p14:creationId xmlns:p14="http://schemas.microsoft.com/office/powerpoint/2010/main" val="914904136"/>
       </p:ext>
     </p:extLst>
   </p:cSld>
@@ -2763,7 +2763,7 @@
           <p:cNvPr id="2" name="标题占位符 1">
             <a:extLst>
               <a:ext uri="{FF2B5EF4-FFF2-40B4-BE49-F238E27FC236}">
-                <a16:creationId xmlns:a16="http://schemas.microsoft.com/office/drawing/2014/main" id="{F05B5373-1D7E-AFAA-A28B-4858BF6AB218}"/>
+                <a16:creationId xmlns:a16="http://schemas.microsoft.com/office/drawing/2014/main" id="{B5E9AD4F-E9A4-7A2B-DDCA-A3C09B729B52}"/>
               </a:ext>
             </a:extLst>
           </p:cNvPr>
@@ -2801,7 +2801,7 @@
           <p:cNvPr id="3" name="文本占位符 2">
             <a:extLst>
               <a:ext uri="{FF2B5EF4-FFF2-40B4-BE49-F238E27FC236}">
-                <a16:creationId xmlns:a16="http://schemas.microsoft.com/office/drawing/2014/main" id="{C3D9F3A1-DAC1-3CA6-76D0-38F2CB47980E}"/>
+                <a16:creationId xmlns:a16="http://schemas.microsoft.com/office/drawing/2014/main" id="{A3B1D7B2-DB5E-8BE1-77C9-CF13814CB4D7}"/>
               </a:ext>
             </a:extLst>
           </p:cNvPr>
@@ -2868,7 +2868,7 @@
           <p:cNvPr id="4" name="日期占位符 3">
             <a:extLst>
               <a:ext uri="{FF2B5EF4-FFF2-40B4-BE49-F238E27FC236}">
-                <a16:creationId xmlns:a16="http://schemas.microsoft.com/office/drawing/2014/main" id="{BDEF42C0-D43C-4099-F63C-4C159ED09C2A}"/>
+                <a16:creationId xmlns:a16="http://schemas.microsoft.com/office/drawing/2014/main" id="{E832A7B8-BB8A-CEA8-0B9B-D61658F3BA67}"/>
               </a:ext>
             </a:extLst>
           </p:cNvPr>
@@ -2902,7 +2902,7 @@
             </a:lvl1pPr>
           </a:lstStyle>
           <a:p>
-            <a:fld id="{D383C930-0EC4-42F4-8368-D2E6C26AEC53}" type="datetimeFigureOut">
+            <a:fld id="{65FF2501-4C43-4172-B780-9B2B6A451AF1}" type="datetimeFigureOut">
               <a:rPr lang="zh-CN" altLang="en-US" smtClean="0"/>
               <a:t>2024/3/10</a:t>
             </a:fld>
@@ -2915,7 +2915,7 @@
           <p:cNvPr id="5" name="页脚占位符 4">
             <a:extLst>
               <a:ext uri="{FF2B5EF4-FFF2-40B4-BE49-F238E27FC236}">
-                <a16:creationId xmlns:a16="http://schemas.microsoft.com/office/drawing/2014/main" id="{70DC5DD8-028A-D8C0-F781-DB9E0577DA7E}"/>
+                <a16:creationId xmlns:a16="http://schemas.microsoft.com/office/drawing/2014/main" id="{4385ED30-F6B2-FEB3-10A3-1E0524A005B7}"/>
               </a:ext>
             </a:extLst>
           </p:cNvPr>
@@ -2958,7 +2958,7 @@
           <p:cNvPr id="6" name="灯片编号占位符 5">
             <a:extLst>
               <a:ext uri="{FF2B5EF4-FFF2-40B4-BE49-F238E27FC236}">
-                <a16:creationId xmlns:a16="http://schemas.microsoft.com/office/drawing/2014/main" id="{7A5197A9-89AA-D0E5-D506-804DDFD37487}"/>
+                <a16:creationId xmlns:a16="http://schemas.microsoft.com/office/drawing/2014/main" id="{449AEDA6-B569-B721-2D1F-B82C5181BF82}"/>
               </a:ext>
             </a:extLst>
           </p:cNvPr>
@@ -2992,7 +2992,7 @@
             </a:lvl1pPr>
           </a:lstStyle>
           <a:p>
-            <a:fld id="{57C39846-1E4E-4BE2-975B-C6FB40CA4A55}" type="slidenum">
+            <a:fld id="{9F258075-52BE-4296-9281-209B599A8836}" type="slidenum">
               <a:rPr lang="zh-CN" altLang="en-US" smtClean="0"/>
               <a:t>‹#›</a:t>
             </a:fld>
@@ -3003,7 +3003,7 @@
     </p:spTree>
     <p:extLst>
       <p:ext uri="{BB962C8B-B14F-4D97-AF65-F5344CB8AC3E}">
-        <p14:creationId xmlns:p14="http://schemas.microsoft.com/office/powerpoint/2010/main" val="1275635423"/>
+        <p14:creationId xmlns:p14="http://schemas.microsoft.com/office/powerpoint/2010/main" val="1009044447"/>
       </p:ext>
     </p:extLst>
   </p:cSld>
